--- a/MPI Presentation.pptx
+++ b/MPI Presentation.pptx
@@ -219,7 +219,7 @@
           <a:p>
             <a:fld id="{D8AECBAA-58A4-834A-9328-D6905C03AB31}" type="datetimeFigureOut">
               <a:rPr lang="en-US" smtClean="0"/>
-              <a:t>4/26/17</a:t>
+              <a:t>5/24/17</a:t>
             </a:fld>
             <a:endParaRPr lang="en-US"/>
           </a:p>
@@ -1072,7 +1072,7 @@
           <a:p>
             <a:fld id="{48A87A34-81AB-432B-8DAE-1953F412C126}" type="datetimeFigureOut">
               <a:rPr lang="en-US" smtClean="0"/>
-              <a:t>4/26/17</a:t>
+              <a:t>5/24/17</a:t>
             </a:fld>
             <a:endParaRPr lang="en-US" dirty="0"/>
           </a:p>
@@ -1252,7 +1252,7 @@
           <a:p>
             <a:fld id="{48A87A34-81AB-432B-8DAE-1953F412C126}" type="datetimeFigureOut">
               <a:rPr lang="en-US" smtClean="0"/>
-              <a:t>4/26/17</a:t>
+              <a:t>5/24/17</a:t>
             </a:fld>
             <a:endParaRPr lang="en-US" dirty="0"/>
           </a:p>
@@ -1429,7 +1429,7 @@
             <a:fld id="{48A87A34-81AB-432B-8DAE-1953F412C126}" type="datetimeFigureOut">
               <a:rPr lang="en-US" smtClean="0"/>
               <a:pPr/>
-              <a:t>4/26/17</a:t>
+              <a:t>5/24/17</a:t>
             </a:fld>
             <a:endParaRPr lang="en-US" dirty="0"/>
           </a:p>
@@ -1600,7 +1600,7 @@
           <a:p>
             <a:fld id="{48A87A34-81AB-432B-8DAE-1953F412C126}" type="datetimeFigureOut">
               <a:rPr lang="en-US" smtClean="0"/>
-              <a:t>4/26/17</a:t>
+              <a:t>5/24/17</a:t>
             </a:fld>
             <a:endParaRPr lang="en-US" dirty="0"/>
           </a:p>
@@ -1918,7 +1918,7 @@
             <a:fld id="{48A87A34-81AB-432B-8DAE-1953F412C126}" type="datetimeFigureOut">
               <a:rPr lang="en-US" smtClean="0"/>
               <a:pPr/>
-              <a:t>4/26/17</a:t>
+              <a:t>5/24/17</a:t>
             </a:fld>
             <a:endParaRPr lang="en-US" dirty="0"/>
           </a:p>
@@ -2379,7 +2379,7 @@
           <a:p>
             <a:fld id="{48A87A34-81AB-432B-8DAE-1953F412C126}" type="datetimeFigureOut">
               <a:rPr lang="en-US" smtClean="0"/>
-              <a:t>4/26/17</a:t>
+              <a:t>5/24/17</a:t>
             </a:fld>
             <a:endParaRPr lang="en-US" dirty="0"/>
           </a:p>
@@ -2791,7 +2791,7 @@
           <a:p>
             <a:fld id="{48A87A34-81AB-432B-8DAE-1953F412C126}" type="datetimeFigureOut">
               <a:rPr lang="en-US" smtClean="0"/>
-              <a:t>4/26/17</a:t>
+              <a:t>5/24/17</a:t>
             </a:fld>
             <a:endParaRPr lang="en-US" dirty="0"/>
           </a:p>
@@ -2910,7 +2910,7 @@
           <a:p>
             <a:fld id="{48A87A34-81AB-432B-8DAE-1953F412C126}" type="datetimeFigureOut">
               <a:rPr lang="en-US" smtClean="0"/>
-              <a:t>4/26/17</a:t>
+              <a:t>5/24/17</a:t>
             </a:fld>
             <a:endParaRPr lang="en-US" dirty="0"/>
           </a:p>
@@ -3024,7 +3024,7 @@
           <a:p>
             <a:fld id="{48A87A34-81AB-432B-8DAE-1953F412C126}" type="datetimeFigureOut">
               <a:rPr lang="en-US" smtClean="0"/>
-              <a:t>4/26/17</a:t>
+              <a:t>5/24/17</a:t>
             </a:fld>
             <a:endParaRPr lang="en-US" dirty="0"/>
           </a:p>
@@ -3383,7 +3383,7 @@
           <a:p>
             <a:fld id="{48A87A34-81AB-432B-8DAE-1953F412C126}" type="datetimeFigureOut">
               <a:rPr lang="en-US" smtClean="0"/>
-              <a:t>4/26/17</a:t>
+              <a:t>5/24/17</a:t>
             </a:fld>
             <a:endParaRPr lang="en-US" dirty="0"/>
           </a:p>
@@ -3891,7 +3891,7 @@
           <a:p>
             <a:fld id="{48A87A34-81AB-432B-8DAE-1953F412C126}" type="datetimeFigureOut">
               <a:rPr lang="en-US" smtClean="0"/>
-              <a:t>4/26/17</a:t>
+              <a:t>5/24/17</a:t>
             </a:fld>
             <a:endParaRPr lang="en-US" dirty="0"/>
           </a:p>
@@ -4243,7 +4243,7 @@
             <a:fld id="{48A87A34-81AB-432B-8DAE-1953F412C126}" type="datetimeFigureOut">
               <a:rPr lang="en-US" smtClean="0"/>
               <a:pPr/>
-              <a:t>4/26/17</a:t>
+              <a:t>5/24/17</a:t>
             </a:fld>
             <a:endParaRPr lang="en-US" dirty="0"/>
           </a:p>
@@ -7272,29 +7272,39 @@
           </a:p>
           <a:p>
             <a:r>
-              <a:rPr lang="en-US" dirty="0" smtClean="0"/>
+              <a:rPr lang="en-US" dirty="0" smtClean="0">
+                <a:hlinkClick r:id="rId2"/>
+              </a:rPr>
               <a:t>http</a:t>
             </a:r>
             <a:r>
-              <a:rPr lang="en-US" dirty="0"/>
-              <a:t>://</a:t>
+              <a:rPr lang="en-US" dirty="0">
+                <a:hlinkClick r:id="rId2"/>
+              </a:rPr>
+              <a:t>://www.mcs.anl.gov/research/projects/mpi</a:t>
+            </a:r>
+            <a:r>
+              <a:rPr lang="en-US" dirty="0" smtClean="0">
+                <a:hlinkClick r:id="rId2"/>
+              </a:rPr>
+              <a:t>/</a:t>
+            </a:r>
+            <a:endParaRPr lang="en-US" dirty="0" smtClean="0"/>
+          </a:p>
+          <a:p>
+            <a:r>
+              <a:rPr lang="en-US" dirty="0"/>
+              <a:t>Graphs: http://</a:t>
             </a:r>
             <a:r>
               <a:rPr lang="en-US" dirty="0" err="1"/>
-              <a:t>www.mcs.anl.gov</a:t>
-            </a:r>
-            <a:r>
-              <a:rPr lang="en-US" dirty="0"/>
-              <a:t>/research/projects/</a:t>
-            </a:r>
-            <a:r>
-              <a:rPr lang="en-US" dirty="0" err="1"/>
-              <a:t>mpi</a:t>
-            </a:r>
-            <a:r>
-              <a:rPr lang="en-US" dirty="0"/>
-              <a:t>/</a:t>
-            </a:r>
+              <a:t>mpitutorial.com</a:t>
+            </a:r>
+            <a:r>
+              <a:rPr lang="en-US"/>
+              <a:t>/tutorials/</a:t>
+            </a:r>
+            <a:endParaRPr lang="en-US" dirty="0"/>
           </a:p>
           <a:p>
             <a:r>
@@ -7642,15 +7652,7 @@
             </a:r>
             <a:r>
               <a:rPr lang="en-US" dirty="0" smtClean="0"/>
-              <a:t>: one member of group collects data from other members and </a:t>
-            </a:r>
-            <a:r>
-              <a:rPr lang="en-US" dirty="0" smtClean="0"/>
-              <a:t>p</a:t>
-            </a:r>
-            <a:r>
-              <a:rPr lang="en-US" dirty="0" smtClean="0"/>
-              <a:t>erforms an operation on that data (min, max, add, multiply, etc.)</a:t>
+              <a:t>: one member of group collects data from other members and performs an operation on that data (min, max, add, multiply, etc.)</a:t>
             </a:r>
             <a:endParaRPr lang="en-US" dirty="0"/>
           </a:p>
